--- a/Présentation P7 - OpenClassrooms.pptx
+++ b/Présentation P7 - OpenClassrooms.pptx
@@ -5,28 +5,29 @@
     <p:sldMasterId id="2147483659" r:id="rId1"/>
   </p:sldMasterIdLst>
   <p:notesMasterIdLst>
-    <p:notesMasterId r:id="rId4"/>
+    <p:notesMasterId r:id="rId5"/>
   </p:notesMasterIdLst>
   <p:sldIdLst>
     <p:sldId id="256" r:id="rId2"/>
     <p:sldId id="262" r:id="rId3"/>
+    <p:sldId id="263" r:id="rId4"/>
   </p:sldIdLst>
   <p:sldSz cx="12192000" cy="6858000"/>
   <p:notesSz cx="6858000" cy="9144000"/>
   <p:embeddedFontLst>
     <p:embeddedFont>
       <p:font typeface="Quattrocento Sans" panose="020B0604020202020204" charset="0"/>
-      <p:regular r:id="rId5"/>
-      <p:bold r:id="rId6"/>
-      <p:italic r:id="rId7"/>
-      <p:boldItalic r:id="rId8"/>
+      <p:regular r:id="rId6"/>
+      <p:bold r:id="rId7"/>
+      <p:italic r:id="rId8"/>
+      <p:boldItalic r:id="rId9"/>
     </p:embeddedFont>
     <p:embeddedFont>
       <p:font typeface="Calibri" panose="020F0502020204030204" pitchFamily="34" charset="0"/>
-      <p:regular r:id="rId9"/>
-      <p:bold r:id="rId10"/>
-      <p:italic r:id="rId11"/>
-      <p:boldItalic r:id="rId12"/>
+      <p:regular r:id="rId10"/>
+      <p:bold r:id="rId11"/>
+      <p:italic r:id="rId12"/>
+      <p:boldItalic r:id="rId13"/>
     </p:embeddedFont>
   </p:embeddedFontLst>
   <p:defaultTextStyle>
@@ -909,6 +910,115 @@
     <p:extLst>
       <p:ext uri="{BB962C8B-B14F-4D97-AF65-F5344CB8AC3E}">
         <p14:creationId xmlns:p14="http://schemas.microsoft.com/office/powerpoint/2010/main" val="2733326354"/>
+      </p:ext>
+    </p:extLst>
+  </p:cSld>
+  <p:clrMapOvr>
+    <a:masterClrMapping/>
+  </p:clrMapOvr>
+</p:notes>
+</file>
+
+<file path=ppt/notesSlides/notesSlide3.xml><?xml version="1.0" encoding="utf-8"?>
+<p:notes xmlns:a="http://schemas.openxmlformats.org/drawingml/2006/main" xmlns:r="http://schemas.openxmlformats.org/officeDocument/2006/relationships" xmlns:p="http://schemas.openxmlformats.org/presentationml/2006/main" showMasterSp="0" showMasterPhAnim="0">
+  <p:cSld>
+    <p:spTree>
+      <p:nvGrpSpPr>
+        <p:cNvPr id="1" name="Shape 100"/>
+        <p:cNvGrpSpPr/>
+        <p:nvPr/>
+      </p:nvGrpSpPr>
+      <p:grpSpPr>
+        <a:xfrm>
+          <a:off x="0" y="0"/>
+          <a:ext cx="0" cy="0"/>
+          <a:chOff x="0" y="0"/>
+          <a:chExt cx="0" cy="0"/>
+        </a:xfrm>
+      </p:grpSpPr>
+      <p:sp>
+        <p:nvSpPr>
+          <p:cNvPr id="101" name="Google Shape;101;p4:notes"/>
+          <p:cNvSpPr txBox="1">
+            <a:spLocks noGrp="1"/>
+          </p:cNvSpPr>
+          <p:nvPr>
+            <p:ph type="body" idx="1"/>
+          </p:nvPr>
+        </p:nvSpPr>
+        <p:spPr>
+          <a:xfrm>
+            <a:off x="685800" y="4343400"/>
+            <a:ext cx="5486400" cy="4114800"/>
+          </a:xfrm>
+          <a:prstGeom prst="rect">
+            <a:avLst/>
+          </a:prstGeom>
+        </p:spPr>
+        <p:txBody>
+          <a:bodyPr spcFirstLastPara="1" wrap="square" lIns="91425" tIns="91425" rIns="91425" bIns="91425" anchor="t" anchorCtr="0">
+            <a:noAutofit/>
+          </a:bodyPr>
+          <a:lstStyle/>
+          <a:p>
+            <a:pPr marL="0" lvl="0" indent="0" algn="l" rtl="0">
+              <a:spcBef>
+                <a:spcPts val="0"/>
+              </a:spcBef>
+              <a:spcAft>
+                <a:spcPts val="0"/>
+              </a:spcAft>
+              <a:buNone/>
+            </a:pPr>
+            <a:endParaRPr/>
+          </a:p>
+        </p:txBody>
+      </p:sp>
+      <p:sp>
+        <p:nvSpPr>
+          <p:cNvPr id="102" name="Google Shape;102;p4:notes"/>
+          <p:cNvSpPr>
+            <a:spLocks noGrp="1" noRot="1" noChangeAspect="1"/>
+          </p:cNvSpPr>
+          <p:nvPr>
+            <p:ph type="sldImg" idx="2"/>
+          </p:nvPr>
+        </p:nvSpPr>
+        <p:spPr>
+          <a:xfrm>
+            <a:off x="381000" y="685800"/>
+            <a:ext cx="6096000" cy="3429000"/>
+          </a:xfrm>
+          <a:custGeom>
+            <a:avLst/>
+            <a:gdLst/>
+            <a:ahLst/>
+            <a:cxnLst/>
+            <a:rect l="l" t="t" r="r" b="b"/>
+            <a:pathLst>
+              <a:path w="120000" h="120000" extrusionOk="0">
+                <a:moveTo>
+                  <a:pt x="0" y="0"/>
+                </a:moveTo>
+                <a:lnTo>
+                  <a:pt x="120000" y="0"/>
+                </a:lnTo>
+                <a:lnTo>
+                  <a:pt x="120000" y="120000"/>
+                </a:lnTo>
+                <a:lnTo>
+                  <a:pt x="0" y="120000"/>
+                </a:lnTo>
+                <a:close/>
+              </a:path>
+            </a:pathLst>
+          </a:custGeom>
+        </p:spPr>
+      </p:sp>
+    </p:spTree>
+    <p:extLst>
+      <p:ext uri="{BB962C8B-B14F-4D97-AF65-F5344CB8AC3E}">
+        <p14:creationId xmlns:p14="http://schemas.microsoft.com/office/powerpoint/2010/main" val="1415808261"/>
       </p:ext>
     </p:extLst>
   </p:cSld>
@@ -11812,6 +11922,266 @@
 </p:sld>
 </file>
 
+<file path=ppt/slides/slide3.xml><?xml version="1.0" encoding="utf-8"?>
+<p:sld xmlns:a="http://schemas.openxmlformats.org/drawingml/2006/main" xmlns:r="http://schemas.openxmlformats.org/officeDocument/2006/relationships" xmlns:p="http://schemas.openxmlformats.org/presentationml/2006/main">
+  <p:cSld>
+    <p:spTree>
+      <p:nvGrpSpPr>
+        <p:cNvPr id="1" name="Shape 103"/>
+        <p:cNvGrpSpPr/>
+        <p:nvPr/>
+      </p:nvGrpSpPr>
+      <p:grpSpPr>
+        <a:xfrm>
+          <a:off x="0" y="0"/>
+          <a:ext cx="0" cy="0"/>
+          <a:chOff x="0" y="0"/>
+          <a:chExt cx="0" cy="0"/>
+        </a:xfrm>
+      </p:grpSpPr>
+      <p:sp>
+        <p:nvSpPr>
+          <p:cNvPr id="104" name="Google Shape;104;p15"/>
+          <p:cNvSpPr txBox="1">
+            <a:spLocks noGrp="1"/>
+          </p:cNvSpPr>
+          <p:nvPr>
+            <p:ph type="title"/>
+          </p:nvPr>
+        </p:nvSpPr>
+        <p:spPr>
+          <a:xfrm>
+            <a:off x="838200" y="757064"/>
+            <a:ext cx="10515600" cy="934200"/>
+          </a:xfrm>
+          <a:prstGeom prst="rect">
+            <a:avLst/>
+          </a:prstGeom>
+          <a:noFill/>
+          <a:ln>
+            <a:noFill/>
+          </a:ln>
+        </p:spPr>
+        <p:txBody>
+          <a:bodyPr spcFirstLastPara="1" wrap="square" lIns="91425" tIns="45700" rIns="91425" bIns="45700" anchor="ctr" anchorCtr="0">
+            <a:noAutofit/>
+          </a:bodyPr>
+          <a:lstStyle/>
+          <a:p>
+            <a:pPr marL="0" lvl="0" indent="0" algn="l" rtl="0">
+              <a:lnSpc>
+                <a:spcPct val="90000"/>
+              </a:lnSpc>
+              <a:spcBef>
+                <a:spcPts val="0"/>
+              </a:spcBef>
+              <a:spcAft>
+                <a:spcPts val="0"/>
+              </a:spcAft>
+              <a:buClr>
+                <a:schemeClr val="dk1"/>
+              </a:buClr>
+              <a:buSzPts val="3959"/>
+              <a:buFont typeface="Quattrocento Sans"/>
+              <a:buNone/>
+            </a:pPr>
+            <a:r>
+              <a:rPr lang="fr-FR" sz="3959" dirty="0" smtClean="0">
+                <a:latin typeface="Quattrocento Sans"/>
+                <a:ea typeface="Quattrocento Sans"/>
+                <a:cs typeface="Quattrocento Sans"/>
+                <a:sym typeface="Quattrocento Sans"/>
+              </a:rPr>
+              <a:t>Générer la carte des restaurants</a:t>
+            </a:r>
+            <a:endParaRPr sz="1979" dirty="0">
+              <a:latin typeface="Quattrocento Sans"/>
+              <a:ea typeface="Quattrocento Sans"/>
+              <a:cs typeface="Quattrocento Sans"/>
+              <a:sym typeface="Quattrocento Sans"/>
+            </a:endParaRPr>
+          </a:p>
+        </p:txBody>
+      </p:sp>
+      <p:sp>
+        <p:nvSpPr>
+          <p:cNvPr id="106" name="Google Shape;106;p15"/>
+          <p:cNvSpPr txBox="1"/>
+          <p:nvPr/>
+        </p:nvSpPr>
+        <p:spPr>
+          <a:xfrm>
+            <a:off x="839931" y="236741"/>
+            <a:ext cx="7380338" cy="523200"/>
+          </a:xfrm>
+          <a:prstGeom prst="rect">
+            <a:avLst/>
+          </a:prstGeom>
+          <a:noFill/>
+          <a:ln>
+            <a:noFill/>
+          </a:ln>
+        </p:spPr>
+        <p:txBody>
+          <a:bodyPr spcFirstLastPara="1" wrap="square" lIns="91425" tIns="45700" rIns="91425" bIns="45700" anchor="t" anchorCtr="0">
+            <a:noAutofit/>
+          </a:bodyPr>
+          <a:lstStyle/>
+          <a:p>
+            <a:pPr lvl="0"/>
+            <a:r>
+              <a:rPr lang="fr-FR" sz="1400" b="1" dirty="0" smtClean="0">
+                <a:solidFill>
+                  <a:schemeClr val="dk1"/>
+                </a:solidFill>
+                <a:latin typeface="Calibri"/>
+                <a:ea typeface="Calibri"/>
+                <a:cs typeface="Calibri"/>
+                <a:sym typeface="Calibri"/>
+              </a:rPr>
+              <a:t>P7 </a:t>
+            </a:r>
+            <a:r>
+              <a:rPr lang="fr-FR" sz="1400" b="1" dirty="0">
+                <a:solidFill>
+                  <a:schemeClr val="dk1"/>
+                </a:solidFill>
+                <a:latin typeface="Calibri"/>
+                <a:ea typeface="Calibri"/>
+                <a:cs typeface="Calibri"/>
+                <a:sym typeface="Calibri"/>
+              </a:rPr>
+              <a:t>: </a:t>
+            </a:r>
+            <a:r>
+              <a:rPr lang="fr-FR" b="1" dirty="0">
+                <a:solidFill>
+                  <a:schemeClr val="dk1"/>
+                </a:solidFill>
+                <a:latin typeface="Calibri"/>
+                <a:ea typeface="Calibri"/>
+                <a:cs typeface="Calibri"/>
+                <a:sym typeface="Calibri"/>
+              </a:rPr>
+              <a:t>Lancez votre propre site d'avis de restaurants</a:t>
+            </a:r>
+            <a:r>
+              <a:rPr lang="fr-FR" sz="1400" b="1" dirty="0">
+                <a:solidFill>
+                  <a:schemeClr val="dk1"/>
+                </a:solidFill>
+                <a:latin typeface="Calibri"/>
+                <a:ea typeface="Calibri"/>
+                <a:cs typeface="Calibri"/>
+                <a:sym typeface="Calibri"/>
+              </a:rPr>
+              <a:t/>
+            </a:r>
+            <a:br>
+              <a:rPr lang="fr-FR" sz="1400" b="1" dirty="0">
+                <a:solidFill>
+                  <a:schemeClr val="dk1"/>
+                </a:solidFill>
+                <a:latin typeface="Calibri"/>
+                <a:ea typeface="Calibri"/>
+                <a:cs typeface="Calibri"/>
+                <a:sym typeface="Calibri"/>
+              </a:rPr>
+            </a:br>
+            <a:r>
+              <a:rPr lang="fr-FR" sz="1400" dirty="0">
+                <a:solidFill>
+                  <a:schemeClr val="dk1"/>
+                </a:solidFill>
+                <a:latin typeface="Calibri"/>
+                <a:ea typeface="Calibri"/>
+                <a:cs typeface="Calibri"/>
+                <a:sym typeface="Calibri"/>
+              </a:rPr>
+              <a:t>Thomas Claireau – DA-Frontend</a:t>
+            </a:r>
+            <a:endParaRPr sz="1400" dirty="0">
+              <a:solidFill>
+                <a:schemeClr val="dk1"/>
+              </a:solidFill>
+              <a:latin typeface="Calibri"/>
+              <a:ea typeface="Calibri"/>
+              <a:cs typeface="Calibri"/>
+              <a:sym typeface="Calibri"/>
+            </a:endParaRPr>
+          </a:p>
+        </p:txBody>
+      </p:sp>
+      <p:pic>
+        <p:nvPicPr>
+          <p:cNvPr id="108" name="Google Shape;108;p15"/>
+          <p:cNvPicPr preferRelativeResize="0"/>
+          <p:nvPr/>
+        </p:nvPicPr>
+        <p:blipFill rotWithShape="1">
+          <a:blip r:embed="rId3">
+            <a:alphaModFix/>
+          </a:blip>
+          <a:srcRect/>
+          <a:stretch/>
+        </p:blipFill>
+        <p:spPr>
+          <a:xfrm>
+            <a:off x="10575769" y="236741"/>
+            <a:ext cx="591628" cy="591628"/>
+          </a:xfrm>
+          <a:prstGeom prst="rect">
+            <a:avLst/>
+          </a:prstGeom>
+          <a:noFill/>
+          <a:ln>
+            <a:noFill/>
+          </a:ln>
+        </p:spPr>
+      </p:pic>
+      <p:sp>
+        <p:nvSpPr>
+          <p:cNvPr id="3" name="Espace réservé du texte 2">
+            <a:extLst>
+              <a:ext uri="{FF2B5EF4-FFF2-40B4-BE49-F238E27FC236}">
+                <a16:creationId xmlns:a16="http://schemas.microsoft.com/office/drawing/2014/main" id="{49CE6623-9ABA-47C3-964E-A9C08CABCC9C}"/>
+              </a:ext>
+            </a:extLst>
+          </p:cNvPr>
+          <p:cNvSpPr>
+            <a:spLocks noGrp="1"/>
+          </p:cNvSpPr>
+          <p:nvPr>
+            <p:ph type="body" idx="1"/>
+          </p:nvPr>
+        </p:nvSpPr>
+        <p:spPr>
+          <a:xfrm>
+            <a:off x="838200" y="2102813"/>
+            <a:ext cx="10515600" cy="4351200"/>
+          </a:xfrm>
+        </p:spPr>
+        <p:txBody>
+          <a:bodyPr/>
+          <a:lstStyle/>
+          <a:p>
+            <a:endParaRPr lang="fr-FR" dirty="0"/>
+          </a:p>
+        </p:txBody>
+      </p:sp>
+    </p:spTree>
+    <p:extLst>
+      <p:ext uri="{BB962C8B-B14F-4D97-AF65-F5344CB8AC3E}">
+        <p14:creationId xmlns:p14="http://schemas.microsoft.com/office/powerpoint/2010/main" val="2274923385"/>
+      </p:ext>
+    </p:extLst>
+  </p:cSld>
+  <p:clrMapOvr>
+    <a:masterClrMapping/>
+  </p:clrMapOvr>
+</p:sld>
+</file>
+
 <file path=ppt/theme/theme1.xml><?xml version="1.0" encoding="utf-8"?>
 <a:theme xmlns:a="http://schemas.openxmlformats.org/drawingml/2006/main" name="Thème Office">
   <a:themeElements>
